--- a/Section03/3_CasoEstudio/Section03_CasoEstudio.pptx
+++ b/Section03/3_CasoEstudio/Section03_CasoEstudio.pptx
@@ -5,16 +5,19 @@
     <p:sldMasterId id="2147483778" r:id="rId4"/>
   </p:sldMasterIdLst>
   <p:notesMasterIdLst>
-    <p:notesMasterId r:id="rId9"/>
+    <p:notesMasterId r:id="rId12"/>
   </p:notesMasterIdLst>
   <p:handoutMasterIdLst>
-    <p:handoutMasterId r:id="rId10"/>
+    <p:handoutMasterId r:id="rId13"/>
   </p:handoutMasterIdLst>
   <p:sldIdLst>
     <p:sldId id="307" r:id="rId5"/>
     <p:sldId id="342" r:id="rId6"/>
-    <p:sldId id="309" r:id="rId7"/>
-    <p:sldId id="341" r:id="rId8"/>
+    <p:sldId id="344" r:id="rId7"/>
+    <p:sldId id="345" r:id="rId8"/>
+    <p:sldId id="347" r:id="rId9"/>
+    <p:sldId id="346" r:id="rId10"/>
+    <p:sldId id="341" r:id="rId11"/>
   </p:sldIdLst>
   <p:sldSz cx="12192000" cy="6858000"/>
   <p:notesSz cx="6858000" cy="9144000"/>
@@ -120,7 +123,10 @@
           <p14:sldIdLst>
             <p14:sldId id="307"/>
             <p14:sldId id="342"/>
-            <p14:sldId id="309"/>
+            <p14:sldId id="344"/>
+            <p14:sldId id="345"/>
+            <p14:sldId id="347"/>
+            <p14:sldId id="346"/>
             <p14:sldId id="341"/>
           </p14:sldIdLst>
         </p14:section>
@@ -231,7 +237,7 @@
             <a:pPr rtl="0"/>
             <a:fld id="{FAB3E6E3-061B-41A2-BBDC-C5312A04A40A}" type="datetime1">
               <a:rPr lang="es-ES" smtClean="0"/>
-              <a:t>20/01/2023</a:t>
+              <a:t>23/01/2023</a:t>
             </a:fld>
             <a:endParaRPr lang="es-ES" dirty="0"/>
           </a:p>
@@ -401,7 +407,7 @@
             <a:pPr rtl="0"/>
             <a:fld id="{2145992C-CBBF-4F24-8325-F5CB0EAAC0E9}" type="datetime1">
               <a:rPr lang="es-ES" noProof="0" smtClean="0"/>
-              <a:t>20/01/2023</a:t>
+              <a:t>23/01/2023</a:t>
             </a:fld>
             <a:endParaRPr lang="es-ES" noProof="0" dirty="0"/>
           </a:p>
@@ -1040,7 +1046,7 @@
     </p:spTree>
     <p:extLst>
       <p:ext uri="{BB962C8B-B14F-4D97-AF65-F5344CB8AC3E}">
-        <p14:creationId xmlns:p14="http://schemas.microsoft.com/office/powerpoint/2010/main" val="1631079216"/>
+        <p14:creationId xmlns:p14="http://schemas.microsoft.com/office/powerpoint/2010/main" val="1688705919"/>
       </p:ext>
     </p:extLst>
   </p:cSld>
@@ -1094,6 +1100,384 @@
           <a:bodyPr/>
           <a:lstStyle/>
           <a:p>
+            <a:pPr marL="0" marR="0" lvl="0" indent="0" algn="l" defTabSz="914377" rtl="0" eaLnBrk="1" fontAlgn="auto" latinLnBrk="0" hangingPunct="1">
+              <a:lnSpc>
+                <a:spcPct val="100000"/>
+              </a:lnSpc>
+              <a:spcBef>
+                <a:spcPts val="0"/>
+              </a:spcBef>
+              <a:spcAft>
+                <a:spcPts val="0"/>
+              </a:spcAft>
+              <a:buClrTx/>
+              <a:buSzTx/>
+              <a:buFontTx/>
+              <a:buNone/>
+              <a:tabLst/>
+              <a:defRPr/>
+            </a:pPr>
+            <a:r>
+              <a:rPr lang="en-US" dirty="0" err="1"/>
+              <a:t>Diapositiva</a:t>
+            </a:r>
+            <a:r>
+              <a:rPr lang="en-US" dirty="0"/>
+              <a:t> para </a:t>
+            </a:r>
+            <a:r>
+              <a:rPr lang="en-US" dirty="0" err="1"/>
+              <a:t>introducción</a:t>
+            </a:r>
+            <a:r>
+              <a:rPr lang="en-US" dirty="0"/>
+              <a:t> </a:t>
+            </a:r>
+            <a:r>
+              <a:rPr lang="en-US" dirty="0" err="1"/>
+              <a:t>ejemplo</a:t>
+            </a:r>
+            <a:r>
+              <a:rPr lang="en-US" dirty="0"/>
+              <a:t>.</a:t>
+            </a:r>
+            <a:endParaRPr lang="es-CO" dirty="0"/>
+          </a:p>
+        </p:txBody>
+      </p:sp>
+      <p:sp>
+        <p:nvSpPr>
+          <p:cNvPr id="4" name="Slide Number Placeholder 3"/>
+          <p:cNvSpPr>
+            <a:spLocks noGrp="1"/>
+          </p:cNvSpPr>
+          <p:nvPr>
+            <p:ph type="sldNum" sz="quarter" idx="5"/>
+          </p:nvPr>
+        </p:nvSpPr>
+        <p:spPr/>
+        <p:txBody>
+          <a:bodyPr/>
+          <a:lstStyle/>
+          <a:p>
+            <a:pPr rtl="0"/>
+            <a:fld id="{810E1E9A-E921-4174-A0FC-51868D7AC568}" type="slidenum">
+              <a:rPr lang="es-ES" noProof="0" smtClean="0"/>
+              <a:t>4</a:t>
+            </a:fld>
+            <a:endParaRPr lang="es-ES" noProof="0" dirty="0"/>
+          </a:p>
+        </p:txBody>
+      </p:sp>
+    </p:spTree>
+    <p:extLst>
+      <p:ext uri="{BB962C8B-B14F-4D97-AF65-F5344CB8AC3E}">
+        <p14:creationId xmlns:p14="http://schemas.microsoft.com/office/powerpoint/2010/main" val="2670789817"/>
+      </p:ext>
+    </p:extLst>
+  </p:cSld>
+  <p:clrMapOvr>
+    <a:masterClrMapping/>
+  </p:clrMapOvr>
+</p:notes>
+</file>
+
+<file path=ppt/notesSlides/notesSlide5.xml><?xml version="1.0" encoding="utf-8"?>
+<p:notes xmlns:a="http://schemas.openxmlformats.org/drawingml/2006/main" xmlns:r="http://schemas.openxmlformats.org/officeDocument/2006/relationships" xmlns:p="http://schemas.openxmlformats.org/presentationml/2006/main">
+  <p:cSld>
+    <p:spTree>
+      <p:nvGrpSpPr>
+        <p:cNvPr id="1" name=""/>
+        <p:cNvGrpSpPr/>
+        <p:nvPr/>
+      </p:nvGrpSpPr>
+      <p:grpSpPr>
+        <a:xfrm>
+          <a:off x="0" y="0"/>
+          <a:ext cx="0" cy="0"/>
+          <a:chOff x="0" y="0"/>
+          <a:chExt cx="0" cy="0"/>
+        </a:xfrm>
+      </p:grpSpPr>
+      <p:sp>
+        <p:nvSpPr>
+          <p:cNvPr id="2" name="Slide Image Placeholder 1"/>
+          <p:cNvSpPr>
+            <a:spLocks noGrp="1" noRot="1" noChangeAspect="1"/>
+          </p:cNvSpPr>
+          <p:nvPr>
+            <p:ph type="sldImg"/>
+          </p:nvPr>
+        </p:nvSpPr>
+        <p:spPr/>
+      </p:sp>
+      <p:sp>
+        <p:nvSpPr>
+          <p:cNvPr id="3" name="Notes Placeholder 2"/>
+          <p:cNvSpPr>
+            <a:spLocks noGrp="1"/>
+          </p:cNvSpPr>
+          <p:nvPr>
+            <p:ph type="body" idx="1"/>
+          </p:nvPr>
+        </p:nvSpPr>
+        <p:spPr/>
+        <p:txBody>
+          <a:bodyPr/>
+          <a:lstStyle/>
+          <a:p>
+            <a:pPr marL="0" marR="0" lvl="0" indent="0" algn="l" defTabSz="914377" rtl="0" eaLnBrk="1" fontAlgn="auto" latinLnBrk="0" hangingPunct="1">
+              <a:lnSpc>
+                <a:spcPct val="100000"/>
+              </a:lnSpc>
+              <a:spcBef>
+                <a:spcPts val="0"/>
+              </a:spcBef>
+              <a:spcAft>
+                <a:spcPts val="0"/>
+              </a:spcAft>
+              <a:buClrTx/>
+              <a:buSzTx/>
+              <a:buFontTx/>
+              <a:buNone/>
+              <a:tabLst/>
+              <a:defRPr/>
+            </a:pPr>
+            <a:r>
+              <a:rPr lang="en-US" dirty="0" err="1"/>
+              <a:t>Diapositiva</a:t>
+            </a:r>
+            <a:r>
+              <a:rPr lang="en-US" dirty="0"/>
+              <a:t> para </a:t>
+            </a:r>
+            <a:r>
+              <a:rPr lang="en-US" dirty="0" err="1"/>
+              <a:t>introducción</a:t>
+            </a:r>
+            <a:r>
+              <a:rPr lang="en-US" dirty="0"/>
+              <a:t> </a:t>
+            </a:r>
+            <a:r>
+              <a:rPr lang="en-US" dirty="0" err="1"/>
+              <a:t>ejemplo</a:t>
+            </a:r>
+            <a:r>
+              <a:rPr lang="en-US" dirty="0"/>
+              <a:t>.</a:t>
+            </a:r>
+            <a:endParaRPr lang="es-CO" dirty="0"/>
+          </a:p>
+        </p:txBody>
+      </p:sp>
+      <p:sp>
+        <p:nvSpPr>
+          <p:cNvPr id="4" name="Slide Number Placeholder 3"/>
+          <p:cNvSpPr>
+            <a:spLocks noGrp="1"/>
+          </p:cNvSpPr>
+          <p:nvPr>
+            <p:ph type="sldNum" sz="quarter" idx="5"/>
+          </p:nvPr>
+        </p:nvSpPr>
+        <p:spPr/>
+        <p:txBody>
+          <a:bodyPr/>
+          <a:lstStyle/>
+          <a:p>
+            <a:pPr rtl="0"/>
+            <a:fld id="{810E1E9A-E921-4174-A0FC-51868D7AC568}" type="slidenum">
+              <a:rPr lang="es-ES" noProof="0" smtClean="0"/>
+              <a:t>5</a:t>
+            </a:fld>
+            <a:endParaRPr lang="es-ES" noProof="0" dirty="0"/>
+          </a:p>
+        </p:txBody>
+      </p:sp>
+    </p:spTree>
+    <p:extLst>
+      <p:ext uri="{BB962C8B-B14F-4D97-AF65-F5344CB8AC3E}">
+        <p14:creationId xmlns:p14="http://schemas.microsoft.com/office/powerpoint/2010/main" val="4069651006"/>
+      </p:ext>
+    </p:extLst>
+  </p:cSld>
+  <p:clrMapOvr>
+    <a:masterClrMapping/>
+  </p:clrMapOvr>
+</p:notes>
+</file>
+
+<file path=ppt/notesSlides/notesSlide6.xml><?xml version="1.0" encoding="utf-8"?>
+<p:notes xmlns:a="http://schemas.openxmlformats.org/drawingml/2006/main" xmlns:r="http://schemas.openxmlformats.org/officeDocument/2006/relationships" xmlns:p="http://schemas.openxmlformats.org/presentationml/2006/main">
+  <p:cSld>
+    <p:spTree>
+      <p:nvGrpSpPr>
+        <p:cNvPr id="1" name=""/>
+        <p:cNvGrpSpPr/>
+        <p:nvPr/>
+      </p:nvGrpSpPr>
+      <p:grpSpPr>
+        <a:xfrm>
+          <a:off x="0" y="0"/>
+          <a:ext cx="0" cy="0"/>
+          <a:chOff x="0" y="0"/>
+          <a:chExt cx="0" cy="0"/>
+        </a:xfrm>
+      </p:grpSpPr>
+      <p:sp>
+        <p:nvSpPr>
+          <p:cNvPr id="2" name="Slide Image Placeholder 1"/>
+          <p:cNvSpPr>
+            <a:spLocks noGrp="1" noRot="1" noChangeAspect="1"/>
+          </p:cNvSpPr>
+          <p:nvPr>
+            <p:ph type="sldImg"/>
+          </p:nvPr>
+        </p:nvSpPr>
+        <p:spPr/>
+      </p:sp>
+      <p:sp>
+        <p:nvSpPr>
+          <p:cNvPr id="3" name="Notes Placeholder 2"/>
+          <p:cNvSpPr>
+            <a:spLocks noGrp="1"/>
+          </p:cNvSpPr>
+          <p:nvPr>
+            <p:ph type="body" idx="1"/>
+          </p:nvPr>
+        </p:nvSpPr>
+        <p:spPr/>
+        <p:txBody>
+          <a:bodyPr/>
+          <a:lstStyle/>
+          <a:p>
+            <a:pPr marL="0" marR="0" lvl="0" indent="0" algn="l" defTabSz="914377" rtl="0" eaLnBrk="1" fontAlgn="auto" latinLnBrk="0" hangingPunct="1">
+              <a:lnSpc>
+                <a:spcPct val="100000"/>
+              </a:lnSpc>
+              <a:spcBef>
+                <a:spcPts val="0"/>
+              </a:spcBef>
+              <a:spcAft>
+                <a:spcPts val="0"/>
+              </a:spcAft>
+              <a:buClrTx/>
+              <a:buSzTx/>
+              <a:buFontTx/>
+              <a:buNone/>
+              <a:tabLst/>
+              <a:defRPr/>
+            </a:pPr>
+            <a:r>
+              <a:rPr lang="en-US" dirty="0" err="1"/>
+              <a:t>Diapositiva</a:t>
+            </a:r>
+            <a:r>
+              <a:rPr lang="en-US" dirty="0"/>
+              <a:t> para </a:t>
+            </a:r>
+            <a:r>
+              <a:rPr lang="en-US" dirty="0" err="1"/>
+              <a:t>introducción</a:t>
+            </a:r>
+            <a:r>
+              <a:rPr lang="en-US" dirty="0"/>
+              <a:t> </a:t>
+            </a:r>
+            <a:r>
+              <a:rPr lang="en-US" dirty="0" err="1"/>
+              <a:t>ejemplo</a:t>
+            </a:r>
+            <a:r>
+              <a:rPr lang="en-US" dirty="0"/>
+              <a:t>.</a:t>
+            </a:r>
+            <a:endParaRPr lang="es-CO" dirty="0"/>
+          </a:p>
+        </p:txBody>
+      </p:sp>
+      <p:sp>
+        <p:nvSpPr>
+          <p:cNvPr id="4" name="Slide Number Placeholder 3"/>
+          <p:cNvSpPr>
+            <a:spLocks noGrp="1"/>
+          </p:cNvSpPr>
+          <p:nvPr>
+            <p:ph type="sldNum" sz="quarter" idx="5"/>
+          </p:nvPr>
+        </p:nvSpPr>
+        <p:spPr/>
+        <p:txBody>
+          <a:bodyPr/>
+          <a:lstStyle/>
+          <a:p>
+            <a:pPr rtl="0"/>
+            <a:fld id="{810E1E9A-E921-4174-A0FC-51868D7AC568}" type="slidenum">
+              <a:rPr lang="es-ES" noProof="0" smtClean="0"/>
+              <a:t>6</a:t>
+            </a:fld>
+            <a:endParaRPr lang="es-ES" noProof="0" dirty="0"/>
+          </a:p>
+        </p:txBody>
+      </p:sp>
+    </p:spTree>
+    <p:extLst>
+      <p:ext uri="{BB962C8B-B14F-4D97-AF65-F5344CB8AC3E}">
+        <p14:creationId xmlns:p14="http://schemas.microsoft.com/office/powerpoint/2010/main" val="2055068202"/>
+      </p:ext>
+    </p:extLst>
+  </p:cSld>
+  <p:clrMapOvr>
+    <a:masterClrMapping/>
+  </p:clrMapOvr>
+</p:notes>
+</file>
+
+<file path=ppt/notesSlides/notesSlide7.xml><?xml version="1.0" encoding="utf-8"?>
+<p:notes xmlns:a="http://schemas.openxmlformats.org/drawingml/2006/main" xmlns:r="http://schemas.openxmlformats.org/officeDocument/2006/relationships" xmlns:p="http://schemas.openxmlformats.org/presentationml/2006/main">
+  <p:cSld>
+    <p:spTree>
+      <p:nvGrpSpPr>
+        <p:cNvPr id="1" name=""/>
+        <p:cNvGrpSpPr/>
+        <p:nvPr/>
+      </p:nvGrpSpPr>
+      <p:grpSpPr>
+        <a:xfrm>
+          <a:off x="0" y="0"/>
+          <a:ext cx="0" cy="0"/>
+          <a:chOff x="0" y="0"/>
+          <a:chExt cx="0" cy="0"/>
+        </a:xfrm>
+      </p:grpSpPr>
+      <p:sp>
+        <p:nvSpPr>
+          <p:cNvPr id="2" name="Slide Image Placeholder 1"/>
+          <p:cNvSpPr>
+            <a:spLocks noGrp="1" noRot="1" noChangeAspect="1"/>
+          </p:cNvSpPr>
+          <p:nvPr>
+            <p:ph type="sldImg"/>
+          </p:nvPr>
+        </p:nvSpPr>
+        <p:spPr/>
+      </p:sp>
+      <p:sp>
+        <p:nvSpPr>
+          <p:cNvPr id="3" name="Notes Placeholder 2"/>
+          <p:cNvSpPr>
+            <a:spLocks noGrp="1"/>
+          </p:cNvSpPr>
+          <p:nvPr>
+            <p:ph type="body" idx="1"/>
+          </p:nvPr>
+        </p:nvSpPr>
+        <p:spPr/>
+        <p:txBody>
+          <a:bodyPr/>
+          <a:lstStyle/>
+          <a:p>
             <a:endParaRPr lang="es-CO" sz="1200" b="0" i="0" dirty="0">
               <a:solidFill>
                 <a:srgbClr val="24292F"/>
@@ -1123,7 +1507,7 @@
             <a:pPr rtl="0"/>
             <a:fld id="{810E1E9A-E921-4174-A0FC-51868D7AC568}" type="slidenum">
               <a:rPr lang="es-ES" noProof="0" smtClean="0"/>
-              <a:t>4</a:t>
+              <a:t>7</a:t>
             </a:fld>
             <a:endParaRPr lang="es-ES" noProof="0" dirty="0"/>
           </a:p>
@@ -1274,7 +1658,7 @@
             <a:pPr rtl="0"/>
             <a:fld id="{95732FF5-B762-47CF-A667-C95E437C256E}" type="datetime1">
               <a:rPr lang="es-ES" noProof="0" smtClean="0"/>
-              <a:t>20/01/2023</a:t>
+              <a:t>23/01/2023</a:t>
             </a:fld>
             <a:endParaRPr lang="es-ES" noProof="0" dirty="0"/>
           </a:p>
@@ -1463,7 +1847,7 @@
             <a:pPr rtl="0"/>
             <a:fld id="{3DDDD12C-A2E5-4D32-A8D5-4FBA4A9916EE}" type="datetime1">
               <a:rPr lang="es-ES" noProof="0" smtClean="0"/>
-              <a:t>20/01/2023</a:t>
+              <a:t>23/01/2023</a:t>
             </a:fld>
             <a:endParaRPr lang="es-ES" noProof="0" dirty="0"/>
           </a:p>
@@ -1652,7 +2036,7 @@
             <a:pPr rtl="0"/>
             <a:fld id="{3DDDD12C-A2E5-4D32-A8D5-4FBA4A9916EE}" type="datetime1">
               <a:rPr lang="es-ES" noProof="0" smtClean="0"/>
-              <a:t>20/01/2023</a:t>
+              <a:t>23/01/2023</a:t>
             </a:fld>
             <a:endParaRPr lang="es-ES" noProof="0" dirty="0"/>
           </a:p>
@@ -1920,7 +2304,7 @@
             <a:pPr rtl="0"/>
             <a:fld id="{50407472-54D5-485E-8ACB-6D04E47D95CF}" type="datetime1">
               <a:rPr lang="es-ES" noProof="0" smtClean="0"/>
-              <a:t>20/01/2023</a:t>
+              <a:t>23/01/2023</a:t>
             </a:fld>
             <a:endParaRPr lang="es-ES" noProof="0" dirty="0"/>
           </a:p>
@@ -2108,7 +2492,7 @@
             <a:pPr rtl="0"/>
             <a:fld id="{3DDDD12C-A2E5-4D32-A8D5-4FBA4A9916EE}" type="datetime1">
               <a:rPr lang="es-ES" noProof="0" smtClean="0"/>
-              <a:t>20/01/2023</a:t>
+              <a:t>23/01/2023</a:t>
             </a:fld>
             <a:endParaRPr lang="es-ES" noProof="0" dirty="0"/>
           </a:p>
@@ -2363,7 +2747,7 @@
             <a:pPr rtl="0"/>
             <a:fld id="{F128A7A1-E52A-4367-BE3E-105C0C9F4921}" type="datetime1">
               <a:rPr lang="es-ES" noProof="0" smtClean="0"/>
-              <a:t>20/01/2023</a:t>
+              <a:t>23/01/2023</a:t>
             </a:fld>
             <a:endParaRPr lang="es-ES" noProof="0" dirty="0"/>
           </a:p>
@@ -2614,7 +2998,7 @@
             <a:pPr rtl="0"/>
             <a:fld id="{3DDDD12C-A2E5-4D32-A8D5-4FBA4A9916EE}" type="datetime1">
               <a:rPr lang="es-ES" noProof="0" smtClean="0"/>
-              <a:t>20/01/2023</a:t>
+              <a:t>23/01/2023</a:t>
             </a:fld>
             <a:endParaRPr lang="es-ES" noProof="0" dirty="0"/>
           </a:p>
@@ -2990,7 +3374,7 @@
             <a:pPr rtl="0"/>
             <a:fld id="{3DDDD12C-A2E5-4D32-A8D5-4FBA4A9916EE}" type="datetime1">
               <a:rPr lang="es-ES" noProof="0" smtClean="0"/>
-              <a:t>20/01/2023</a:t>
+              <a:t>23/01/2023</a:t>
             </a:fld>
             <a:endParaRPr lang="es-ES" noProof="0" dirty="0"/>
           </a:p>
@@ -3117,7 +3501,7 @@
             <a:pPr rtl="0"/>
             <a:fld id="{A3120DF6-1B4A-4B6C-B500-7840816C7764}" type="datetime1">
               <a:rPr lang="es-ES" noProof="0" smtClean="0"/>
-              <a:t>20/01/2023</a:t>
+              <a:t>23/01/2023</a:t>
             </a:fld>
             <a:endParaRPr lang="es-ES" noProof="0" dirty="0"/>
           </a:p>
@@ -3231,7 +3615,7 @@
             <a:pPr rtl="0"/>
             <a:fld id="{52134D8D-99E7-4CF1-858E-66F4FE6BE361}" type="datetime1">
               <a:rPr lang="es-ES" noProof="0" smtClean="0"/>
-              <a:t>20/01/2023</a:t>
+              <a:t>23/01/2023</a:t>
             </a:fld>
             <a:endParaRPr lang="es-ES" noProof="0" dirty="0"/>
           </a:p>
@@ -3527,7 +3911,7 @@
             <a:pPr rtl="0"/>
             <a:fld id="{3DDDD12C-A2E5-4D32-A8D5-4FBA4A9916EE}" type="datetime1">
               <a:rPr lang="es-ES" noProof="0" smtClean="0"/>
-              <a:t>20/01/2023</a:t>
+              <a:t>23/01/2023</a:t>
             </a:fld>
             <a:endParaRPr lang="es-ES" noProof="0" dirty="0"/>
           </a:p>
@@ -3793,7 +4177,7 @@
             <a:pPr rtl="0"/>
             <a:fld id="{3DDDD12C-A2E5-4D32-A8D5-4FBA4A9916EE}" type="datetime1">
               <a:rPr lang="es-ES" noProof="0" smtClean="0"/>
-              <a:t>20/01/2023</a:t>
+              <a:t>23/01/2023</a:t>
             </a:fld>
             <a:endParaRPr lang="es-ES" noProof="0" dirty="0"/>
           </a:p>
@@ -4018,7 +4402,7 @@
             <a:pPr rtl="0"/>
             <a:fld id="{3DDDD12C-A2E5-4D32-A8D5-4FBA4A9916EE}" type="datetime1">
               <a:rPr lang="es-ES" noProof="0" smtClean="0"/>
-              <a:t>20/01/2023</a:t>
+              <a:t>23/01/2023</a:t>
             </a:fld>
             <a:endParaRPr lang="es-ES" noProof="0" dirty="0"/>
           </a:p>
@@ -5059,7 +5443,7 @@
             <a:pPr algn="l"/>
             <a:r>
               <a:rPr lang="es-ES" sz="2600" b="1" dirty="0"/>
-              <a:t>Clasificación básica de los ríos</a:t>
+              <a:t>Caso de estudio</a:t>
             </a:r>
             <a:endParaRPr lang="en-US" sz="2600" b="1" dirty="0"/>
           </a:p>
@@ -5119,8 +5503,8 @@
         </p:nvSpPr>
         <p:spPr>
           <a:xfrm>
-            <a:off x="1133658" y="2138490"/>
-            <a:ext cx="2945973" cy="3368005"/>
+            <a:off x="824512" y="1867184"/>
+            <a:ext cx="5176707" cy="3368005"/>
           </a:xfrm>
           <a:prstGeom prst="rect">
             <a:avLst/>
@@ -5150,81 +5534,70 @@
             </a:lvl1pPr>
           </a:lstStyle>
           <a:p>
-            <a:pPr marL="457200" indent="-457200" algn="l">
-              <a:buFont typeface="Arial" panose="020B0604020202020204" pitchFamily="34" charset="0"/>
-              <a:buChar char="•"/>
-            </a:pPr>
-            <a:r>
-              <a:rPr lang="es-VE" sz="2600" b="1" dirty="0"/>
-              <a:t>C</a:t>
-            </a:r>
-            <a:r>
-              <a:rPr lang="en-US" sz="2600" b="1" dirty="0" err="1"/>
-              <a:t>auces</a:t>
-            </a:r>
-            <a:r>
-              <a:rPr lang="en-US" sz="2600" b="1" dirty="0"/>
-              <a:t> de </a:t>
-            </a:r>
-            <a:r>
-              <a:rPr lang="en-US" sz="2600" b="1" dirty="0" err="1"/>
-              <a:t>lecho</a:t>
-            </a:r>
-            <a:r>
-              <a:rPr lang="en-US" sz="2600" b="1" dirty="0"/>
-              <a:t> </a:t>
-            </a:r>
-            <a:r>
-              <a:rPr lang="en-US" sz="2600" b="1" dirty="0" err="1"/>
-              <a:t>rocoso</a:t>
-            </a:r>
-            <a:endParaRPr lang="en-US" sz="2600" b="1" dirty="0"/>
-          </a:p>
-          <a:p>
             <a:pPr algn="l"/>
-            <a:endParaRPr lang="en-US" sz="2600" b="1" dirty="0"/>
+            <a:r>
+              <a:rPr lang="es-VE" sz="2400" dirty="0"/>
+              <a:t>Arroyo San Antonio. Cesar, Colombia</a:t>
+            </a:r>
+            <a:endParaRPr lang="en-US" sz="2400" dirty="0"/>
           </a:p>
           <a:p>
             <a:pPr algn="l"/>
-            <a:endParaRPr lang="en-US" sz="2600" b="1" dirty="0"/>
-          </a:p>
-          <a:p>
-            <a:pPr algn="l"/>
-            <a:endParaRPr lang="en-US" sz="2600" b="1" dirty="0"/>
-          </a:p>
-          <a:p>
-            <a:pPr algn="l"/>
-            <a:endParaRPr lang="en-US" sz="2600" b="1" dirty="0"/>
-          </a:p>
-          <a:p>
-            <a:pPr algn="l"/>
-            <a:endParaRPr lang="en-US" sz="2600" b="1" dirty="0"/>
-          </a:p>
-          <a:p>
-            <a:pPr marL="457200" indent="-457200" algn="l">
-              <a:buFont typeface="Arial" panose="020B0604020202020204" pitchFamily="34" charset="0"/>
-              <a:buChar char="•"/>
-            </a:pPr>
-            <a:r>
-              <a:rPr lang="en-US" sz="2600" b="1" dirty="0" err="1"/>
-              <a:t>Cauces</a:t>
-            </a:r>
-            <a:r>
-              <a:rPr lang="en-US" sz="2600" b="1" dirty="0"/>
-              <a:t> </a:t>
-            </a:r>
-            <a:r>
-              <a:rPr lang="en-US" sz="2600" b="1" dirty="0" err="1"/>
-              <a:t>aluviales</a:t>
-            </a:r>
-            <a:endParaRPr lang="en-US" sz="2600" b="1" dirty="0"/>
-          </a:p>
-        </p:txBody>
-      </p:sp>
+            <a:endParaRPr lang="en-US" sz="2400" dirty="0"/>
+          </a:p>
+        </p:txBody>
+      </p:sp>
+      <p:pic>
+        <p:nvPicPr>
+          <p:cNvPr id="1026" name="Picture 2">
+            <a:extLst>
+              <a:ext uri="{FF2B5EF4-FFF2-40B4-BE49-F238E27FC236}">
+                <a16:creationId xmlns:a16="http://schemas.microsoft.com/office/drawing/2014/main" id="{51027475-3907-117C-9A9A-D8B9E7B9B372}"/>
+              </a:ext>
+            </a:extLst>
+          </p:cNvPr>
+          <p:cNvPicPr>
+            <a:picLocks noChangeAspect="1" noChangeArrowheads="1"/>
+          </p:cNvPicPr>
+          <p:nvPr/>
+        </p:nvPicPr>
+        <p:blipFill>
+          <a:blip r:embed="rId3">
+            <a:extLst>
+              <a:ext uri="{28A0092B-C50C-407E-A947-70E740481C1C}">
+                <a14:useLocalDpi xmlns:a14="http://schemas.microsoft.com/office/drawing/2010/main" val="0"/>
+              </a:ext>
+            </a:extLst>
+          </a:blip>
+          <a:srcRect/>
+          <a:stretch>
+            <a:fillRect/>
+          </a:stretch>
+        </p:blipFill>
+        <p:spPr bwMode="auto">
+          <a:xfrm>
+            <a:off x="6414877" y="343789"/>
+            <a:ext cx="5268936" cy="5794212"/>
+          </a:xfrm>
+          <a:prstGeom prst="rect">
+            <a:avLst/>
+          </a:prstGeom>
+          <a:noFill/>
+          <a:extLst>
+            <a:ext uri="{909E8E84-426E-40DD-AFC4-6F175D3DCCD1}">
+              <a14:hiddenFill xmlns:a14="http://schemas.microsoft.com/office/drawing/2010/main">
+                <a:solidFill>
+                  <a:srgbClr val="FFFFFF"/>
+                </a:solidFill>
+              </a14:hiddenFill>
+            </a:ext>
+          </a:extLst>
+        </p:spPr>
+      </p:pic>
     </p:spTree>
     <p:extLst>
       <p:ext uri="{BB962C8B-B14F-4D97-AF65-F5344CB8AC3E}">
-        <p14:creationId xmlns:p14="http://schemas.microsoft.com/office/powerpoint/2010/main" val="3378398519"/>
+        <p14:creationId xmlns:p14="http://schemas.microsoft.com/office/powerpoint/2010/main" val="1247560513"/>
       </p:ext>
     </p:extLst>
   </p:cSld>
@@ -5247,6 +5620,801 @@
 </file>
 
 <file path=ppt/slides/slide4.xml><?xml version="1.0" encoding="utf-8"?>
+<p:sld xmlns:a="http://schemas.openxmlformats.org/drawingml/2006/main" xmlns:r="http://schemas.openxmlformats.org/officeDocument/2006/relationships" xmlns:p="http://schemas.openxmlformats.org/presentationml/2006/main">
+  <p:cSld>
+    <p:spTree>
+      <p:nvGrpSpPr>
+        <p:cNvPr id="1" name=""/>
+        <p:cNvGrpSpPr/>
+        <p:nvPr/>
+      </p:nvGrpSpPr>
+      <p:grpSpPr>
+        <a:xfrm>
+          <a:off x="0" y="0"/>
+          <a:ext cx="0" cy="0"/>
+          <a:chOff x="0" y="0"/>
+          <a:chExt cx="0" cy="0"/>
+        </a:xfrm>
+      </p:grpSpPr>
+      <p:pic>
+        <p:nvPicPr>
+          <p:cNvPr id="2050" name="Picture 2">
+            <a:extLst>
+              <a:ext uri="{FF2B5EF4-FFF2-40B4-BE49-F238E27FC236}">
+                <a16:creationId xmlns:a16="http://schemas.microsoft.com/office/drawing/2014/main" id="{4974E8AF-9875-8197-EB3F-234C65564610}"/>
+              </a:ext>
+            </a:extLst>
+          </p:cNvPr>
+          <p:cNvPicPr>
+            <a:picLocks noChangeAspect="1" noChangeArrowheads="1"/>
+          </p:cNvPicPr>
+          <p:nvPr/>
+        </p:nvPicPr>
+        <p:blipFill>
+          <a:blip r:embed="rId3">
+            <a:extLst>
+              <a:ext uri="{28A0092B-C50C-407E-A947-70E740481C1C}">
+                <a14:useLocalDpi xmlns:a14="http://schemas.microsoft.com/office/drawing/2010/main" val="0"/>
+              </a:ext>
+            </a:extLst>
+          </a:blip>
+          <a:srcRect/>
+          <a:stretch>
+            <a:fillRect/>
+          </a:stretch>
+        </p:blipFill>
+        <p:spPr bwMode="auto">
+          <a:xfrm>
+            <a:off x="0" y="206375"/>
+            <a:ext cx="12192000" cy="6443663"/>
+          </a:xfrm>
+          <a:prstGeom prst="rect">
+            <a:avLst/>
+          </a:prstGeom>
+          <a:noFill/>
+          <a:extLst>
+            <a:ext uri="{909E8E84-426E-40DD-AFC4-6F175D3DCCD1}">
+              <a14:hiddenFill xmlns:a14="http://schemas.microsoft.com/office/drawing/2010/main">
+                <a:solidFill>
+                  <a:srgbClr val="FFFFFF"/>
+                </a:solidFill>
+              </a14:hiddenFill>
+            </a:ext>
+          </a:extLst>
+        </p:spPr>
+      </p:pic>
+      <p:sp>
+        <p:nvSpPr>
+          <p:cNvPr id="2" name="Título 1">
+            <a:extLst>
+              <a:ext uri="{FF2B5EF4-FFF2-40B4-BE49-F238E27FC236}">
+                <a16:creationId xmlns:a16="http://schemas.microsoft.com/office/drawing/2014/main" id="{E8693AA3-2B1F-F00E-F28B-13E668B9C553}"/>
+              </a:ext>
+            </a:extLst>
+          </p:cNvPr>
+          <p:cNvSpPr>
+            <a:spLocks noGrp="1"/>
+          </p:cNvSpPr>
+          <p:nvPr>
+            <p:ph type="ctrTitle"/>
+          </p:nvPr>
+        </p:nvSpPr>
+        <p:spPr>
+          <a:xfrm>
+            <a:off x="720000" y="720000"/>
+            <a:ext cx="6323895" cy="857591"/>
+          </a:xfrm>
+        </p:spPr>
+        <p:txBody>
+          <a:bodyPr anchor="t" anchorCtr="0">
+            <a:normAutofit/>
+          </a:bodyPr>
+          <a:lstStyle/>
+          <a:p>
+            <a:pPr algn="l"/>
+            <a:r>
+              <a:rPr lang="es-ES" sz="2600" b="1" dirty="0"/>
+              <a:t>Caso de estudio</a:t>
+            </a:r>
+            <a:endParaRPr lang="en-US" sz="2600" b="1" dirty="0"/>
+          </a:p>
+        </p:txBody>
+      </p:sp>
+      <p:cxnSp>
+        <p:nvCxnSpPr>
+          <p:cNvPr id="7" name="Conector recto 6">
+            <a:extLst>
+              <a:ext uri="{FF2B5EF4-FFF2-40B4-BE49-F238E27FC236}">
+                <a16:creationId xmlns:a16="http://schemas.microsoft.com/office/drawing/2014/main" id="{E394D115-EC13-200A-2091-0E6B8AC853F8}"/>
+              </a:ext>
+            </a:extLst>
+          </p:cNvPr>
+          <p:cNvCxnSpPr>
+            <a:cxnSpLocks/>
+          </p:cNvCxnSpPr>
+          <p:nvPr/>
+        </p:nvCxnSpPr>
+        <p:spPr>
+          <a:xfrm>
+            <a:off x="824512" y="1152939"/>
+            <a:ext cx="5485853" cy="0"/>
+          </a:xfrm>
+          <a:prstGeom prst="line">
+            <a:avLst/>
+          </a:prstGeom>
+        </p:spPr>
+        <p:style>
+          <a:lnRef idx="1">
+            <a:schemeClr val="accent5"/>
+          </a:lnRef>
+          <a:fillRef idx="0">
+            <a:schemeClr val="accent5"/>
+          </a:fillRef>
+          <a:effectRef idx="0">
+            <a:schemeClr val="accent5"/>
+          </a:effectRef>
+          <a:fontRef idx="minor">
+            <a:schemeClr val="tx1"/>
+          </a:fontRef>
+        </p:style>
+      </p:cxnSp>
+    </p:spTree>
+    <p:extLst>
+      <p:ext uri="{BB962C8B-B14F-4D97-AF65-F5344CB8AC3E}">
+        <p14:creationId xmlns:p14="http://schemas.microsoft.com/office/powerpoint/2010/main" val="1792086559"/>
+      </p:ext>
+    </p:extLst>
+  </p:cSld>
+  <p:clrMapOvr>
+    <a:masterClrMapping/>
+  </p:clrMapOvr>
+  <mc:AlternateContent xmlns:mc="http://schemas.openxmlformats.org/markup-compatibility/2006" xmlns:p14="http://schemas.microsoft.com/office/powerpoint/2010/main">
+    <mc:Choice Requires="p14">
+      <p:transition spd="med" p14:dur="700">
+        <p:fade/>
+      </p:transition>
+    </mc:Choice>
+    <mc:Fallback xmlns="">
+      <p:transition spd="med">
+        <p:fade/>
+      </p:transition>
+    </mc:Fallback>
+  </mc:AlternateContent>
+</p:sld>
+</file>
+
+<file path=ppt/slides/slide5.xml><?xml version="1.0" encoding="utf-8"?>
+<p:sld xmlns:a="http://schemas.openxmlformats.org/drawingml/2006/main" xmlns:r="http://schemas.openxmlformats.org/officeDocument/2006/relationships" xmlns:p="http://schemas.openxmlformats.org/presentationml/2006/main">
+  <p:cSld>
+    <p:spTree>
+      <p:nvGrpSpPr>
+        <p:cNvPr id="1" name=""/>
+        <p:cNvGrpSpPr/>
+        <p:nvPr/>
+      </p:nvGrpSpPr>
+      <p:grpSpPr>
+        <a:xfrm>
+          <a:off x="0" y="0"/>
+          <a:ext cx="0" cy="0"/>
+          <a:chOff x="0" y="0"/>
+          <a:chExt cx="0" cy="0"/>
+        </a:xfrm>
+      </p:grpSpPr>
+      <p:sp>
+        <p:nvSpPr>
+          <p:cNvPr id="2" name="Título 1">
+            <a:extLst>
+              <a:ext uri="{FF2B5EF4-FFF2-40B4-BE49-F238E27FC236}">
+                <a16:creationId xmlns:a16="http://schemas.microsoft.com/office/drawing/2014/main" id="{E8693AA3-2B1F-F00E-F28B-13E668B9C553}"/>
+              </a:ext>
+            </a:extLst>
+          </p:cNvPr>
+          <p:cNvSpPr>
+            <a:spLocks noGrp="1"/>
+          </p:cNvSpPr>
+          <p:nvPr>
+            <p:ph type="ctrTitle"/>
+          </p:nvPr>
+        </p:nvSpPr>
+        <p:spPr>
+          <a:xfrm>
+            <a:off x="720000" y="720000"/>
+            <a:ext cx="6323895" cy="857591"/>
+          </a:xfrm>
+        </p:spPr>
+        <p:txBody>
+          <a:bodyPr anchor="t" anchorCtr="0">
+            <a:normAutofit/>
+          </a:bodyPr>
+          <a:lstStyle/>
+          <a:p>
+            <a:pPr algn="l"/>
+            <a:r>
+              <a:rPr lang="es-ES" sz="2600" b="1" dirty="0"/>
+              <a:t>Caso de estudio</a:t>
+            </a:r>
+            <a:endParaRPr lang="en-US" sz="2600" b="1" dirty="0"/>
+          </a:p>
+        </p:txBody>
+      </p:sp>
+      <p:cxnSp>
+        <p:nvCxnSpPr>
+          <p:cNvPr id="7" name="Conector recto 6">
+            <a:extLst>
+              <a:ext uri="{FF2B5EF4-FFF2-40B4-BE49-F238E27FC236}">
+                <a16:creationId xmlns:a16="http://schemas.microsoft.com/office/drawing/2014/main" id="{E394D115-EC13-200A-2091-0E6B8AC853F8}"/>
+              </a:ext>
+            </a:extLst>
+          </p:cNvPr>
+          <p:cNvCxnSpPr>
+            <a:cxnSpLocks/>
+          </p:cNvCxnSpPr>
+          <p:nvPr/>
+        </p:nvCxnSpPr>
+        <p:spPr>
+          <a:xfrm>
+            <a:off x="824512" y="1152939"/>
+            <a:ext cx="5485853" cy="0"/>
+          </a:xfrm>
+          <a:prstGeom prst="line">
+            <a:avLst/>
+          </a:prstGeom>
+        </p:spPr>
+        <p:style>
+          <a:lnRef idx="1">
+            <a:schemeClr val="accent5"/>
+          </a:lnRef>
+          <a:fillRef idx="0">
+            <a:schemeClr val="accent5"/>
+          </a:fillRef>
+          <a:effectRef idx="0">
+            <a:schemeClr val="accent5"/>
+          </a:effectRef>
+          <a:fontRef idx="minor">
+            <a:schemeClr val="tx1"/>
+          </a:fontRef>
+        </p:style>
+      </p:cxnSp>
+      <p:pic>
+        <p:nvPicPr>
+          <p:cNvPr id="3074" name="Picture 2">
+            <a:extLst>
+              <a:ext uri="{FF2B5EF4-FFF2-40B4-BE49-F238E27FC236}">
+                <a16:creationId xmlns:a16="http://schemas.microsoft.com/office/drawing/2014/main" id="{64DB88D9-0AD9-AAED-4594-8E96EFDEF6C9}"/>
+              </a:ext>
+            </a:extLst>
+          </p:cNvPr>
+          <p:cNvPicPr>
+            <a:picLocks noChangeAspect="1" noChangeArrowheads="1"/>
+          </p:cNvPicPr>
+          <p:nvPr/>
+        </p:nvPicPr>
+        <p:blipFill>
+          <a:blip r:embed="rId3">
+            <a:extLst>
+              <a:ext uri="{28A0092B-C50C-407E-A947-70E740481C1C}">
+                <a14:useLocalDpi xmlns:a14="http://schemas.microsoft.com/office/drawing/2010/main" val="0"/>
+              </a:ext>
+            </a:extLst>
+          </a:blip>
+          <a:srcRect/>
+          <a:stretch>
+            <a:fillRect/>
+          </a:stretch>
+        </p:blipFill>
+        <p:spPr bwMode="auto">
+          <a:xfrm>
+            <a:off x="331925" y="703378"/>
+            <a:ext cx="10932277" cy="6154622"/>
+          </a:xfrm>
+          <a:prstGeom prst="rect">
+            <a:avLst/>
+          </a:prstGeom>
+          <a:noFill/>
+          <a:extLst>
+            <a:ext uri="{909E8E84-426E-40DD-AFC4-6F175D3DCCD1}">
+              <a14:hiddenFill xmlns:a14="http://schemas.microsoft.com/office/drawing/2010/main">
+                <a:solidFill>
+                  <a:srgbClr val="FFFFFF"/>
+                </a:solidFill>
+              </a14:hiddenFill>
+            </a:ext>
+          </a:extLst>
+        </p:spPr>
+      </p:pic>
+    </p:spTree>
+    <p:extLst>
+      <p:ext uri="{BB962C8B-B14F-4D97-AF65-F5344CB8AC3E}">
+        <p14:creationId xmlns:p14="http://schemas.microsoft.com/office/powerpoint/2010/main" val="3440170274"/>
+      </p:ext>
+    </p:extLst>
+  </p:cSld>
+  <p:clrMapOvr>
+    <a:masterClrMapping/>
+  </p:clrMapOvr>
+  <mc:AlternateContent xmlns:mc="http://schemas.openxmlformats.org/markup-compatibility/2006" xmlns:p14="http://schemas.microsoft.com/office/powerpoint/2010/main">
+    <mc:Choice Requires="p14">
+      <p:transition spd="med" p14:dur="700">
+        <p:fade/>
+      </p:transition>
+    </mc:Choice>
+    <mc:Fallback xmlns="">
+      <p:transition spd="med">
+        <p:fade/>
+      </p:transition>
+    </mc:Fallback>
+  </mc:AlternateContent>
+</p:sld>
+</file>
+
+<file path=ppt/slides/slide6.xml><?xml version="1.0" encoding="utf-8"?>
+<p:sld xmlns:a="http://schemas.openxmlformats.org/drawingml/2006/main" xmlns:r="http://schemas.openxmlformats.org/officeDocument/2006/relationships" xmlns:p="http://schemas.openxmlformats.org/presentationml/2006/main">
+  <p:cSld>
+    <p:spTree>
+      <p:nvGrpSpPr>
+        <p:cNvPr id="1" name=""/>
+        <p:cNvGrpSpPr/>
+        <p:nvPr/>
+      </p:nvGrpSpPr>
+      <p:grpSpPr>
+        <a:xfrm>
+          <a:off x="0" y="0"/>
+          <a:ext cx="0" cy="0"/>
+          <a:chOff x="0" y="0"/>
+          <a:chExt cx="0" cy="0"/>
+        </a:xfrm>
+      </p:grpSpPr>
+      <p:sp>
+        <p:nvSpPr>
+          <p:cNvPr id="2" name="Título 1">
+            <a:extLst>
+              <a:ext uri="{FF2B5EF4-FFF2-40B4-BE49-F238E27FC236}">
+                <a16:creationId xmlns:a16="http://schemas.microsoft.com/office/drawing/2014/main" id="{E8693AA3-2B1F-F00E-F28B-13E668B9C553}"/>
+              </a:ext>
+            </a:extLst>
+          </p:cNvPr>
+          <p:cNvSpPr>
+            <a:spLocks noGrp="1"/>
+          </p:cNvSpPr>
+          <p:nvPr>
+            <p:ph type="ctrTitle"/>
+          </p:nvPr>
+        </p:nvSpPr>
+        <p:spPr>
+          <a:xfrm>
+            <a:off x="720000" y="720000"/>
+            <a:ext cx="6323895" cy="857591"/>
+          </a:xfrm>
+        </p:spPr>
+        <p:txBody>
+          <a:bodyPr anchor="t" anchorCtr="0">
+            <a:normAutofit/>
+          </a:bodyPr>
+          <a:lstStyle/>
+          <a:p>
+            <a:pPr algn="l"/>
+            <a:r>
+              <a:rPr lang="es-ES" sz="2600" b="1" dirty="0"/>
+              <a:t>Caso de estudio</a:t>
+            </a:r>
+            <a:endParaRPr lang="en-US" sz="2600" b="1" dirty="0"/>
+          </a:p>
+        </p:txBody>
+      </p:sp>
+      <p:cxnSp>
+        <p:nvCxnSpPr>
+          <p:cNvPr id="7" name="Conector recto 6">
+            <a:extLst>
+              <a:ext uri="{FF2B5EF4-FFF2-40B4-BE49-F238E27FC236}">
+                <a16:creationId xmlns:a16="http://schemas.microsoft.com/office/drawing/2014/main" id="{E394D115-EC13-200A-2091-0E6B8AC853F8}"/>
+              </a:ext>
+            </a:extLst>
+          </p:cNvPr>
+          <p:cNvCxnSpPr>
+            <a:cxnSpLocks/>
+          </p:cNvCxnSpPr>
+          <p:nvPr/>
+        </p:nvCxnSpPr>
+        <p:spPr>
+          <a:xfrm>
+            <a:off x="824512" y="1152939"/>
+            <a:ext cx="5485853" cy="0"/>
+          </a:xfrm>
+          <a:prstGeom prst="line">
+            <a:avLst/>
+          </a:prstGeom>
+        </p:spPr>
+        <p:style>
+          <a:lnRef idx="1">
+            <a:schemeClr val="accent5"/>
+          </a:lnRef>
+          <a:fillRef idx="0">
+            <a:schemeClr val="accent5"/>
+          </a:fillRef>
+          <a:effectRef idx="0">
+            <a:schemeClr val="accent5"/>
+          </a:effectRef>
+          <a:fontRef idx="minor">
+            <a:schemeClr val="tx1"/>
+          </a:fontRef>
+        </p:style>
+      </p:cxnSp>
+      <p:pic>
+        <p:nvPicPr>
+          <p:cNvPr id="4098" name="Picture 2">
+            <a:extLst>
+              <a:ext uri="{FF2B5EF4-FFF2-40B4-BE49-F238E27FC236}">
+                <a16:creationId xmlns:a16="http://schemas.microsoft.com/office/drawing/2014/main" id="{1B86F9BE-C118-6EA4-A7AD-5395D68B6827}"/>
+              </a:ext>
+            </a:extLst>
+          </p:cNvPr>
+          <p:cNvPicPr>
+            <a:picLocks noChangeAspect="1" noChangeArrowheads="1"/>
+          </p:cNvPicPr>
+          <p:nvPr/>
+        </p:nvPicPr>
+        <p:blipFill>
+          <a:blip r:embed="rId3">
+            <a:extLst>
+              <a:ext uri="{28A0092B-C50C-407E-A947-70E740481C1C}">
+                <a14:useLocalDpi xmlns:a14="http://schemas.microsoft.com/office/drawing/2010/main" val="0"/>
+              </a:ext>
+            </a:extLst>
+          </a:blip>
+          <a:srcRect/>
+          <a:stretch>
+            <a:fillRect/>
+          </a:stretch>
+        </p:blipFill>
+        <p:spPr bwMode="auto">
+          <a:xfrm>
+            <a:off x="824512" y="937780"/>
+            <a:ext cx="10542976" cy="5605777"/>
+          </a:xfrm>
+          <a:prstGeom prst="rect">
+            <a:avLst/>
+          </a:prstGeom>
+          <a:noFill/>
+          <a:extLst>
+            <a:ext uri="{909E8E84-426E-40DD-AFC4-6F175D3DCCD1}">
+              <a14:hiddenFill xmlns:a14="http://schemas.microsoft.com/office/drawing/2010/main">
+                <a:solidFill>
+                  <a:srgbClr val="FFFFFF"/>
+                </a:solidFill>
+              </a14:hiddenFill>
+            </a:ext>
+          </a:extLst>
+        </p:spPr>
+      </p:pic>
+      <p:graphicFrame>
+        <p:nvGraphicFramePr>
+          <p:cNvPr id="3" name="Tabla 3">
+            <a:extLst>
+              <a:ext uri="{FF2B5EF4-FFF2-40B4-BE49-F238E27FC236}">
+                <a16:creationId xmlns:a16="http://schemas.microsoft.com/office/drawing/2014/main" id="{1AFFA9A2-ADB5-E922-CBAA-95C6E946E801}"/>
+              </a:ext>
+            </a:extLst>
+          </p:cNvPr>
+          <p:cNvGraphicFramePr>
+            <a:graphicFrameLocks noGrp="1"/>
+          </p:cNvGraphicFramePr>
+          <p:nvPr>
+            <p:extLst>
+              <p:ext uri="{D42A27DB-BD31-4B8C-83A1-F6EECF244321}">
+                <p14:modId xmlns:p14="http://schemas.microsoft.com/office/powerpoint/2010/main" val="3783925479"/>
+              </p:ext>
+            </p:extLst>
+          </p:nvPr>
+        </p:nvGraphicFramePr>
+        <p:xfrm>
+          <a:off x="1172176" y="4968461"/>
+          <a:ext cx="4304175" cy="1473200"/>
+        </p:xfrm>
+        <a:graphic>
+          <a:graphicData uri="http://schemas.openxmlformats.org/drawingml/2006/table">
+            <a:tbl>
+              <a:tblPr firstRow="1" bandRow="1">
+                <a:tableStyleId>{69012ECD-51FC-41F1-AA8D-1B2483CD663E}</a:tableStyleId>
+              </a:tblPr>
+              <a:tblGrid>
+                <a:gridCol w="1434725">
+                  <a:extLst>
+                    <a:ext uri="{9D8B030D-6E8A-4147-A177-3AD203B41FA5}">
+                      <a16:colId xmlns:a16="http://schemas.microsoft.com/office/drawing/2014/main" val="2113844978"/>
+                    </a:ext>
+                  </a:extLst>
+                </a:gridCol>
+                <a:gridCol w="1434725">
+                  <a:extLst>
+                    <a:ext uri="{9D8B030D-6E8A-4147-A177-3AD203B41FA5}">
+                      <a16:colId xmlns:a16="http://schemas.microsoft.com/office/drawing/2014/main" val="1740227816"/>
+                    </a:ext>
+                  </a:extLst>
+                </a:gridCol>
+                <a:gridCol w="1434725">
+                  <a:extLst>
+                    <a:ext uri="{9D8B030D-6E8A-4147-A177-3AD203B41FA5}">
+                      <a16:colId xmlns:a16="http://schemas.microsoft.com/office/drawing/2014/main" val="4257171628"/>
+                    </a:ext>
+                  </a:extLst>
+                </a:gridCol>
+              </a:tblGrid>
+              <a:tr h="370840">
+                <a:tc>
+                  <a:txBody>
+                    <a:bodyPr/>
+                    <a:lstStyle/>
+                    <a:p>
+                      <a:pPr algn="ctr"/>
+                      <a:r>
+                        <a:rPr lang="en-US" sz="1400" dirty="0">
+                          <a:solidFill>
+                            <a:schemeClr val="tx1"/>
+                          </a:solidFill>
+                          <a:effectLst/>
+                        </a:rPr>
+                        <a:t>Caudal (m</a:t>
+                      </a:r>
+                      <a:r>
+                        <a:rPr lang="en-US" sz="1400" baseline="30000" dirty="0">
+                          <a:solidFill>
+                            <a:schemeClr val="tx1"/>
+                          </a:solidFill>
+                          <a:effectLst/>
+                        </a:rPr>
+                        <a:t>3</a:t>
+                      </a:r>
+                      <a:r>
+                        <a:rPr lang="en-US" sz="1400" dirty="0">
+                          <a:solidFill>
+                            <a:schemeClr val="tx1"/>
+                          </a:solidFill>
+                          <a:effectLst/>
+                        </a:rPr>
+                        <a:t>/s)</a:t>
+                      </a:r>
+                    </a:p>
+                  </a:txBody>
+                  <a:tcPr marL="99060" marR="99060" anchor="ctr"/>
+                </a:tc>
+                <a:tc>
+                  <a:txBody>
+                    <a:bodyPr/>
+                    <a:lstStyle/>
+                    <a:p>
+                      <a:pPr algn="ctr"/>
+                      <a:r>
+                        <a:rPr lang="es-ES" sz="1400" dirty="0">
+                          <a:solidFill>
+                            <a:schemeClr val="tx1"/>
+                          </a:solidFill>
+                          <a:effectLst/>
+                        </a:rPr>
+                        <a:t>Carga por arrastre (</a:t>
+                      </a:r>
+                      <a:r>
+                        <a:rPr lang="es-ES" sz="1400" dirty="0" err="1">
+                          <a:solidFill>
+                            <a:schemeClr val="tx1"/>
+                          </a:solidFill>
+                          <a:effectLst/>
+                        </a:rPr>
+                        <a:t>tonnes</a:t>
+                      </a:r>
+                      <a:r>
+                        <a:rPr lang="es-ES" sz="1400" dirty="0">
+                          <a:solidFill>
+                            <a:schemeClr val="tx1"/>
+                          </a:solidFill>
+                          <a:effectLst/>
+                        </a:rPr>
+                        <a:t>/</a:t>
+                      </a:r>
+                      <a:r>
+                        <a:rPr lang="es-ES" sz="1400" dirty="0" err="1">
+                          <a:solidFill>
+                            <a:schemeClr val="tx1"/>
+                          </a:solidFill>
+                          <a:effectLst/>
+                        </a:rPr>
+                        <a:t>day</a:t>
+                      </a:r>
+                      <a:r>
+                        <a:rPr lang="es-ES" sz="1400" dirty="0">
+                          <a:solidFill>
+                            <a:schemeClr val="tx1"/>
+                          </a:solidFill>
+                          <a:effectLst/>
+                        </a:rPr>
+                        <a:t>)</a:t>
+                      </a:r>
+                    </a:p>
+                  </a:txBody>
+                  <a:tcPr marL="99060" marR="99060" anchor="ctr"/>
+                </a:tc>
+                <a:tc>
+                  <a:txBody>
+                    <a:bodyPr/>
+                    <a:lstStyle/>
+                    <a:p>
+                      <a:pPr algn="ctr"/>
+                      <a:r>
+                        <a:rPr lang="es-ES" sz="1400">
+                          <a:solidFill>
+                            <a:schemeClr val="tx1"/>
+                          </a:solidFill>
+                          <a:effectLst/>
+                        </a:rPr>
+                        <a:t>Carga en suspensión (tonnes/day)</a:t>
+                      </a:r>
+                    </a:p>
+                  </a:txBody>
+                  <a:tcPr marL="99060" marR="99060" anchor="ctr"/>
+                </a:tc>
+                <a:extLst>
+                  <a:ext uri="{0D108BD9-81ED-4DB2-BD59-A6C34878D82A}">
+                    <a16:rowId xmlns:a16="http://schemas.microsoft.com/office/drawing/2014/main" val="453577395"/>
+                  </a:ext>
+                </a:extLst>
+              </a:tr>
+              <a:tr h="370840">
+                <a:tc>
+                  <a:txBody>
+                    <a:bodyPr/>
+                    <a:lstStyle/>
+                    <a:p>
+                      <a:pPr algn="ctr"/>
+                      <a:r>
+                        <a:rPr lang="en-US" sz="1400">
+                          <a:solidFill>
+                            <a:schemeClr val="tx1"/>
+                          </a:solidFill>
+                          <a:effectLst/>
+                        </a:rPr>
+                        <a:t>5.85</a:t>
+                      </a:r>
+                    </a:p>
+                  </a:txBody>
+                  <a:tcPr marL="99060" marR="99060" anchor="ctr"/>
+                </a:tc>
+                <a:tc>
+                  <a:txBody>
+                    <a:bodyPr/>
+                    <a:lstStyle/>
+                    <a:p>
+                      <a:pPr algn="ctr"/>
+                      <a:r>
+                        <a:rPr lang="en-US" sz="1400" dirty="0">
+                          <a:solidFill>
+                            <a:schemeClr val="tx1"/>
+                          </a:solidFill>
+                          <a:effectLst/>
+                        </a:rPr>
+                        <a:t>5.02</a:t>
+                      </a:r>
+                    </a:p>
+                  </a:txBody>
+                  <a:tcPr marL="99060" marR="99060" anchor="ctr"/>
+                </a:tc>
+                <a:tc>
+                  <a:txBody>
+                    <a:bodyPr/>
+                    <a:lstStyle/>
+                    <a:p>
+                      <a:pPr algn="ctr"/>
+                      <a:r>
+                        <a:rPr lang="en-US" sz="1400" dirty="0">
+                          <a:solidFill>
+                            <a:schemeClr val="tx1"/>
+                          </a:solidFill>
+                          <a:effectLst/>
+                        </a:rPr>
+                        <a:t>10.98</a:t>
+                      </a:r>
+                    </a:p>
+                  </a:txBody>
+                  <a:tcPr marL="99060" marR="99060" anchor="ctr"/>
+                </a:tc>
+                <a:extLst>
+                  <a:ext uri="{0D108BD9-81ED-4DB2-BD59-A6C34878D82A}">
+                    <a16:rowId xmlns:a16="http://schemas.microsoft.com/office/drawing/2014/main" val="954405114"/>
+                  </a:ext>
+                </a:extLst>
+              </a:tr>
+              <a:tr h="370840">
+                <a:tc>
+                  <a:txBody>
+                    <a:bodyPr/>
+                    <a:lstStyle/>
+                    <a:p>
+                      <a:pPr algn="ctr"/>
+                      <a:r>
+                        <a:rPr lang="en-US" sz="1400">
+                          <a:solidFill>
+                            <a:schemeClr val="tx1"/>
+                          </a:solidFill>
+                          <a:effectLst/>
+                        </a:rPr>
+                        <a:t>6.52</a:t>
+                      </a:r>
+                    </a:p>
+                  </a:txBody>
+                  <a:tcPr marL="99060" marR="99060" anchor="ctr"/>
+                </a:tc>
+                <a:tc>
+                  <a:txBody>
+                    <a:bodyPr/>
+                    <a:lstStyle/>
+                    <a:p>
+                      <a:pPr algn="ctr"/>
+                      <a:r>
+                        <a:rPr lang="en-US" sz="1400">
+                          <a:solidFill>
+                            <a:schemeClr val="tx1"/>
+                          </a:solidFill>
+                          <a:effectLst/>
+                        </a:rPr>
+                        <a:t>6.36</a:t>
+                      </a:r>
+                    </a:p>
+                  </a:txBody>
+                  <a:tcPr marL="99060" marR="99060" anchor="ctr"/>
+                </a:tc>
+                <a:tc>
+                  <a:txBody>
+                    <a:bodyPr/>
+                    <a:lstStyle/>
+                    <a:p>
+                      <a:pPr algn="ctr"/>
+                      <a:r>
+                        <a:rPr lang="en-US" sz="1400" dirty="0">
+                          <a:solidFill>
+                            <a:schemeClr val="tx1"/>
+                          </a:solidFill>
+                          <a:effectLst/>
+                        </a:rPr>
+                        <a:t>70.60</a:t>
+                      </a:r>
+                    </a:p>
+                  </a:txBody>
+                  <a:tcPr marL="99060" marR="99060" anchor="ctr"/>
+                </a:tc>
+                <a:extLst>
+                  <a:ext uri="{0D108BD9-81ED-4DB2-BD59-A6C34878D82A}">
+                    <a16:rowId xmlns:a16="http://schemas.microsoft.com/office/drawing/2014/main" val="1138392327"/>
+                  </a:ext>
+                </a:extLst>
+              </a:tr>
+            </a:tbl>
+          </a:graphicData>
+        </a:graphic>
+      </p:graphicFrame>
+    </p:spTree>
+    <p:extLst>
+      <p:ext uri="{BB962C8B-B14F-4D97-AF65-F5344CB8AC3E}">
+        <p14:creationId xmlns:p14="http://schemas.microsoft.com/office/powerpoint/2010/main" val="3782855999"/>
+      </p:ext>
+    </p:extLst>
+  </p:cSld>
+  <p:clrMapOvr>
+    <a:masterClrMapping/>
+  </p:clrMapOvr>
+  <mc:AlternateContent xmlns:mc="http://schemas.openxmlformats.org/markup-compatibility/2006" xmlns:p14="http://schemas.microsoft.com/office/powerpoint/2010/main">
+    <mc:Choice Requires="p14">
+      <p:transition spd="med" p14:dur="700">
+        <p:fade/>
+      </p:transition>
+    </mc:Choice>
+    <mc:Fallback xmlns="">
+      <p:transition spd="med">
+        <p:fade/>
+      </p:transition>
+    </mc:Fallback>
+  </mc:AlternateContent>
+</p:sld>
+</file>
+
+<file path=ppt/slides/slide7.xml><?xml version="1.0" encoding="utf-8"?>
 <p:sld xmlns:a="http://schemas.openxmlformats.org/drawingml/2006/main" xmlns:r="http://schemas.openxmlformats.org/officeDocument/2006/relationships" xmlns:p="http://schemas.openxmlformats.org/presentationml/2006/main">
   <p:cSld>
     <p:spTree>
@@ -6566,66 +7734,6 @@
 </file>
 
 <file path=customXml/item1.xml><?xml version="1.0" encoding="utf-8"?>
-<?mso-contentType ?>
-<FormTemplates xmlns="http://schemas.microsoft.com/sharepoint/v3/contenttype/forms">
-  <Display>DocumentLibraryForm</Display>
-  <Edit>DocumentLibraryForm</Edit>
-  <New>DocumentLibraryForm</New>
-</FormTemplates>
-</file>
-
-<file path=customXml/item2.xml><?xml version="1.0" encoding="utf-8"?>
-<p:properties xmlns:p="http://schemas.microsoft.com/office/2006/metadata/properties" xmlns:xsi="http://www.w3.org/2001/XMLSchema-instance" xmlns:pc="http://schemas.microsoft.com/office/infopath/2007/PartnerControls">
-  <documentManagement>
-    <NotebookType xmlns="bf3e1746-bde1-4d6e-9c3f-7182572f7502" xsi:nil="true"/>
-    <CultureName xmlns="bf3e1746-bde1-4d6e-9c3f-7182572f7502" xsi:nil="true"/>
-    <Students xmlns="bf3e1746-bde1-4d6e-9c3f-7182572f7502">
-      <UserInfo>
-        <DisplayName/>
-        <AccountId xsi:nil="true"/>
-        <AccountType/>
-      </UserInfo>
-    </Students>
-    <Distribution_Groups xmlns="bf3e1746-bde1-4d6e-9c3f-7182572f7502" xsi:nil="true"/>
-    <FolderType xmlns="bf3e1746-bde1-4d6e-9c3f-7182572f7502" xsi:nil="true"/>
-    <Student_Groups xmlns="bf3e1746-bde1-4d6e-9c3f-7182572f7502">
-      <UserInfo>
-        <DisplayName/>
-        <AccountId xsi:nil="true"/>
-        <AccountType/>
-      </UserInfo>
-    </Student_Groups>
-    <Self_Registration_Enabled xmlns="bf3e1746-bde1-4d6e-9c3f-7182572f7502" xsi:nil="true"/>
-    <TeamsChannelId xmlns="bf3e1746-bde1-4d6e-9c3f-7182572f7502" xsi:nil="true"/>
-    <IsNotebookLocked xmlns="bf3e1746-bde1-4d6e-9c3f-7182572f7502" xsi:nil="true"/>
-    <DefaultSectionNames xmlns="bf3e1746-bde1-4d6e-9c3f-7182572f7502" xsi:nil="true"/>
-    <Is_Collaboration_Space_Locked xmlns="bf3e1746-bde1-4d6e-9c3f-7182572f7502" xsi:nil="true"/>
-    <Invited_Teachers xmlns="bf3e1746-bde1-4d6e-9c3f-7182572f7502" xsi:nil="true"/>
-    <Math_Settings xmlns="bf3e1746-bde1-4d6e-9c3f-7182572f7502" xsi:nil="true"/>
-    <Templates xmlns="bf3e1746-bde1-4d6e-9c3f-7182572f7502" xsi:nil="true"/>
-    <Has_Teacher_Only_SectionGroup xmlns="bf3e1746-bde1-4d6e-9c3f-7182572f7502" xsi:nil="true"/>
-    <AppVersion xmlns="bf3e1746-bde1-4d6e-9c3f-7182572f7502" xsi:nil="true"/>
-    <Invited_Students xmlns="bf3e1746-bde1-4d6e-9c3f-7182572f7502" xsi:nil="true"/>
-    <Owner xmlns="bf3e1746-bde1-4d6e-9c3f-7182572f7502">
-      <UserInfo>
-        <DisplayName/>
-        <AccountId xsi:nil="true"/>
-        <AccountType/>
-      </UserInfo>
-    </Owner>
-    <Teachers xmlns="bf3e1746-bde1-4d6e-9c3f-7182572f7502">
-      <UserInfo>
-        <DisplayName/>
-        <AccountId xsi:nil="true"/>
-        <AccountType/>
-      </UserInfo>
-    </Teachers>
-    <LMS_Mappings xmlns="bf3e1746-bde1-4d6e-9c3f-7182572f7502" xsi:nil="true"/>
-  </documentManagement>
-</p:properties>
-</file>
-
-<file path=customXml/item3.xml><?xml version="1.0" encoding="utf-8"?>
 <ct:contentTypeSchema xmlns:ct="http://schemas.microsoft.com/office/2006/metadata/contentType" xmlns:ma="http://schemas.microsoft.com/office/2006/metadata/properties/metaAttributes" ct:_="" ma:_="" ma:contentTypeName="Document" ma:contentTypeID="0x010100C089011499791B4EB69D0A56FFA67F2B" ma:contentTypeVersion="30" ma:contentTypeDescription="Create a new document." ma:contentTypeScope="" ma:versionID="f76dc847e91b26043a9f85409c9c8da8">
   <xsd:schema xmlns:xsd="http://www.w3.org/2001/XMLSchema" xmlns:xs="http://www.w3.org/2001/XMLSchema" xmlns:p="http://schemas.microsoft.com/office/2006/metadata/properties" xmlns:ns3="bf3e1746-bde1-4d6e-9c3f-7182572f7502" xmlns:ns4="14224164-2045-4b51-92bb-313d0f626d83" targetNamespace="http://schemas.microsoft.com/office/2006/metadata/properties" ma:root="true" ma:fieldsID="e77e75136ac7a83ebab10a30c2d6fe6c" ns3:_="" ns4:_="">
     <xsd:import namespace="bf3e1746-bde1-4d6e-9c3f-7182572f7502"/>
@@ -7016,25 +8124,67 @@
 </ct:contentTypeSchema>
 </file>
 
-<file path=customXml/itemProps1.xml><?xml version="1.0" encoding="utf-8"?>
-<ds:datastoreItem xmlns:ds="http://schemas.openxmlformats.org/officeDocument/2006/customXml" ds:itemID="{B024FD56-CE1B-42FC-9E83-BFBF160724C6}">
-  <ds:schemaRefs>
-    <ds:schemaRef ds:uri="http://schemas.microsoft.com/sharepoint/v3/contenttype/forms"/>
-  </ds:schemaRefs>
-</ds:datastoreItem>
+<file path=customXml/item2.xml><?xml version="1.0" encoding="utf-8"?>
+<p:properties xmlns:p="http://schemas.microsoft.com/office/2006/metadata/properties" xmlns:xsi="http://www.w3.org/2001/XMLSchema-instance" xmlns:pc="http://schemas.microsoft.com/office/infopath/2007/PartnerControls">
+  <documentManagement>
+    <NotebookType xmlns="bf3e1746-bde1-4d6e-9c3f-7182572f7502" xsi:nil="true"/>
+    <CultureName xmlns="bf3e1746-bde1-4d6e-9c3f-7182572f7502" xsi:nil="true"/>
+    <Students xmlns="bf3e1746-bde1-4d6e-9c3f-7182572f7502">
+      <UserInfo>
+        <DisplayName/>
+        <AccountId xsi:nil="true"/>
+        <AccountType/>
+      </UserInfo>
+    </Students>
+    <Distribution_Groups xmlns="bf3e1746-bde1-4d6e-9c3f-7182572f7502" xsi:nil="true"/>
+    <FolderType xmlns="bf3e1746-bde1-4d6e-9c3f-7182572f7502" xsi:nil="true"/>
+    <Student_Groups xmlns="bf3e1746-bde1-4d6e-9c3f-7182572f7502">
+      <UserInfo>
+        <DisplayName/>
+        <AccountId xsi:nil="true"/>
+        <AccountType/>
+      </UserInfo>
+    </Student_Groups>
+    <Self_Registration_Enabled xmlns="bf3e1746-bde1-4d6e-9c3f-7182572f7502" xsi:nil="true"/>
+    <TeamsChannelId xmlns="bf3e1746-bde1-4d6e-9c3f-7182572f7502" xsi:nil="true"/>
+    <IsNotebookLocked xmlns="bf3e1746-bde1-4d6e-9c3f-7182572f7502" xsi:nil="true"/>
+    <DefaultSectionNames xmlns="bf3e1746-bde1-4d6e-9c3f-7182572f7502" xsi:nil="true"/>
+    <Is_Collaboration_Space_Locked xmlns="bf3e1746-bde1-4d6e-9c3f-7182572f7502" xsi:nil="true"/>
+    <Invited_Teachers xmlns="bf3e1746-bde1-4d6e-9c3f-7182572f7502" xsi:nil="true"/>
+    <Math_Settings xmlns="bf3e1746-bde1-4d6e-9c3f-7182572f7502" xsi:nil="true"/>
+    <Templates xmlns="bf3e1746-bde1-4d6e-9c3f-7182572f7502" xsi:nil="true"/>
+    <Has_Teacher_Only_SectionGroup xmlns="bf3e1746-bde1-4d6e-9c3f-7182572f7502" xsi:nil="true"/>
+    <AppVersion xmlns="bf3e1746-bde1-4d6e-9c3f-7182572f7502" xsi:nil="true"/>
+    <Invited_Students xmlns="bf3e1746-bde1-4d6e-9c3f-7182572f7502" xsi:nil="true"/>
+    <Owner xmlns="bf3e1746-bde1-4d6e-9c3f-7182572f7502">
+      <UserInfo>
+        <DisplayName/>
+        <AccountId xsi:nil="true"/>
+        <AccountType/>
+      </UserInfo>
+    </Owner>
+    <Teachers xmlns="bf3e1746-bde1-4d6e-9c3f-7182572f7502">
+      <UserInfo>
+        <DisplayName/>
+        <AccountId xsi:nil="true"/>
+        <AccountType/>
+      </UserInfo>
+    </Teachers>
+    <LMS_Mappings xmlns="bf3e1746-bde1-4d6e-9c3f-7182572f7502" xsi:nil="true"/>
+  </documentManagement>
+</p:properties>
 </file>
 
-<file path=customXml/itemProps2.xml><?xml version="1.0" encoding="utf-8"?>
-<ds:datastoreItem xmlns:ds="http://schemas.openxmlformats.org/officeDocument/2006/customXml" ds:itemID="{DEDD01B8-816B-49B7-8C81-03AB51D87C54}">
-  <ds:schemaRefs>
-    <ds:schemaRef ds:uri="http://schemas.microsoft.com/office/2006/metadata/properties"/>
-    <ds:schemaRef ds:uri="http://schemas.microsoft.com/office/infopath/2007/PartnerControls"/>
-    <ds:schemaRef ds:uri="bf3e1746-bde1-4d6e-9c3f-7182572f7502"/>
-  </ds:schemaRefs>
-</ds:datastoreItem>
+<file path=customXml/item3.xml><?xml version="1.0" encoding="utf-8"?>
+<?mso-contentType ?>
+<FormTemplates xmlns="http://schemas.microsoft.com/sharepoint/v3/contenttype/forms">
+  <Display>DocumentLibraryForm</Display>
+  <Edit>DocumentLibraryForm</Edit>
+  <New>DocumentLibraryForm</New>
+</FormTemplates>
 </file>
 
-<file path=customXml/itemProps3.xml><?xml version="1.0" encoding="utf-8"?>
+<file path=customXml/itemProps1.xml><?xml version="1.0" encoding="utf-8"?>
 <ds:datastoreItem xmlns:ds="http://schemas.openxmlformats.org/officeDocument/2006/customXml" ds:itemID="{A129B439-51BE-4A7D-9272-FBD057297E66}">
   <ds:schemaRefs>
     <ds:schemaRef ds:uri="http://schemas.microsoft.com/office/2006/metadata/contentType"/>
@@ -7051,4 +8201,22 @@
     <ds:schemaRef ds:uri="http://schemas.microsoft.com/internal/obd"/>
   </ds:schemaRefs>
 </ds:datastoreItem>
+</file>
+
+<file path=customXml/itemProps2.xml><?xml version="1.0" encoding="utf-8"?>
+<ds:datastoreItem xmlns:ds="http://schemas.openxmlformats.org/officeDocument/2006/customXml" ds:itemID="{DEDD01B8-816B-49B7-8C81-03AB51D87C54}">
+  <ds:schemaRefs>
+    <ds:schemaRef ds:uri="http://schemas.microsoft.com/office/2006/metadata/properties"/>
+    <ds:schemaRef ds:uri="http://schemas.microsoft.com/office/infopath/2007/PartnerControls"/>
+    <ds:schemaRef ds:uri="bf3e1746-bde1-4d6e-9c3f-7182572f7502"/>
+  </ds:schemaRefs>
+</ds:datastoreItem>
+</file>
+
+<file path=customXml/itemProps3.xml><?xml version="1.0" encoding="utf-8"?>
+<ds:datastoreItem xmlns:ds="http://schemas.openxmlformats.org/officeDocument/2006/customXml" ds:itemID="{B024FD56-CE1B-42FC-9E83-BFBF160724C6}">
+  <ds:schemaRefs>
+    <ds:schemaRef ds:uri="http://schemas.microsoft.com/sharepoint/v3/contenttype/forms"/>
+  </ds:schemaRefs>
+</ds:datastoreItem>
 </file>